--- a/courses/sysprog/slides/lec19-bst.pptx
+++ b/courses/sysprog/slides/lec19-bst.pptx
@@ -1,6 +1,6 @@
 
 <file path=ppt/presentation.xml><?xml version="1.0" encoding="utf-8"?>
-<p:presentation xmlns:a="http://schemas.openxmlformats.org/drawingml/2006/main" xmlns:r="http://schemas.openxmlformats.org/officeDocument/2006/relationships" xmlns:p="http://schemas.openxmlformats.org/presentationml/2006/main" compatMode="1" saveSubsetFonts="1" autoCompressPictures="0">
+<p:presentation xmlns:a="http://schemas.openxmlformats.org/drawingml/2006/main" xmlns:r="http://schemas.openxmlformats.org/officeDocument/2006/relationships" xmlns:p="http://schemas.openxmlformats.org/presentationml/2006/main" saveSubsetFonts="1" autoCompressPictures="0">
   <p:sldMasterIdLst>
     <p:sldMasterId id="2147483649" r:id="rId1"/>
   </p:sldMasterIdLst>
@@ -5223,13 +5223,40 @@
               <a:buNone/>
             </a:pPr>
             <a:r>
+              <a:rPr lang="en-US" altLang="zh-CN" sz="2000" b="1" dirty="0">
+                <a:solidFill>
+                  <a:schemeClr val="folHlink"/>
+                </a:solidFill>
+                <a:latin typeface="Courier New" panose="02070309020205020404" pitchFamily="49" charset="0"/>
+              </a:rPr>
+              <a:t>poly </a:t>
+            </a:r>
+            <a:r>
+              <a:rPr lang="en-US" altLang="zh-CN" sz="2000" b="1" dirty="0" err="1">
+                <a:solidFill>
+                  <a:schemeClr val="folHlink"/>
+                </a:solidFill>
+                <a:latin typeface="Courier New" panose="02070309020205020404" pitchFamily="49" charset="0"/>
+              </a:rPr>
+              <a:t>Bst</a:t>
+            </a:r>
+            <a:r>
+              <a:rPr lang="en-US" altLang="zh-CN" sz="2000" b="1" err="1">
+                <a:solidFill>
+                  <a:schemeClr val="folHlink"/>
+                </a:solidFill>
+                <a:latin typeface="Courier New" panose="02070309020205020404" pitchFamily="49" charset="0"/>
+              </a:rPr>
+              <a:t>_</a:t>
+            </a:r>
+            <a:r>
               <a:rPr lang="en-US" altLang="zh-CN" sz="2000" b="1">
                 <a:solidFill>
                   <a:schemeClr val="folHlink"/>
                 </a:solidFill>
                 <a:latin typeface="Courier New" panose="02070309020205020404" pitchFamily="49" charset="0"/>
               </a:rPr>
-              <a:t>poly Bst_lookup (T t, poly key)</a:t>
+              <a:t>lookup(T t, poly key)</a:t>
             </a:r>
           </a:p>
           <a:p>
@@ -5241,7 +5268,7 @@
               <a:buNone/>
             </a:pPr>
             <a:r>
-              <a:rPr lang="en-US" altLang="zh-CN" sz="2000" b="1">
+              <a:rPr lang="en-US" altLang="zh-CN" sz="2000" b="1" dirty="0">
                 <a:solidFill>
                   <a:schemeClr val="folHlink"/>
                 </a:solidFill>
@@ -5259,7 +5286,7 @@
               <a:buNone/>
             </a:pPr>
             <a:r>
-              <a:rPr lang="en-US" altLang="zh-CN" sz="2000" b="1">
+              <a:rPr lang="en-US" altLang="zh-CN" sz="2000" b="1" dirty="0">
                 <a:solidFill>
                   <a:schemeClr val="folHlink"/>
                 </a:solidFill>
@@ -5277,7 +5304,7 @@
               <a:buNone/>
             </a:pPr>
             <a:r>
-              <a:rPr lang="en-US" altLang="zh-CN" sz="2000" b="1">
+              <a:rPr lang="en-US" altLang="zh-CN" sz="2000" b="1" dirty="0">
                 <a:solidFill>
                   <a:schemeClr val="folHlink"/>
                 </a:solidFill>
@@ -5295,7 +5322,7 @@
               <a:buNone/>
             </a:pPr>
             <a:r>
-              <a:rPr lang="en-US" altLang="zh-CN" sz="2000" b="1">
+              <a:rPr lang="en-US" altLang="zh-CN" sz="2000" b="1" dirty="0">
                 <a:solidFill>
                   <a:schemeClr val="folHlink"/>
                 </a:solidFill>
@@ -5304,7 +5331,7 @@
               <a:t>  if (key == t-&gt;key)       </a:t>
             </a:r>
             <a:r>
-              <a:rPr lang="en-US" altLang="zh-CN" sz="2000" b="1">
+              <a:rPr lang="en-US" altLang="zh-CN" sz="2000" b="1" dirty="0">
                 <a:latin typeface="Courier New" panose="02070309020205020404" pitchFamily="49" charset="0"/>
               </a:rPr>
               <a:t>// what’s “==“ ?</a:t>
@@ -5319,7 +5346,7 @@
               <a:buNone/>
             </a:pPr>
             <a:r>
-              <a:rPr lang="en-US" altLang="zh-CN" sz="2000" b="1">
+              <a:rPr lang="en-US" altLang="zh-CN" sz="2000" b="1" dirty="0">
                 <a:solidFill>
                   <a:schemeClr val="folHlink"/>
                 </a:solidFill>
@@ -5337,7 +5364,7 @@
               <a:buNone/>
             </a:pPr>
             <a:r>
-              <a:rPr lang="en-US" altLang="zh-CN" sz="2000" b="1">
+              <a:rPr lang="en-US" altLang="zh-CN" sz="2000" b="1" dirty="0">
                 <a:solidFill>
                   <a:schemeClr val="folHlink"/>
                 </a:solidFill>
@@ -5346,7 +5373,7 @@
               <a:t>  if (key &lt; t-&gt;key)        </a:t>
             </a:r>
             <a:r>
-              <a:rPr lang="en-US" altLang="zh-CN" sz="2000" b="1">
+              <a:rPr lang="en-US" altLang="zh-CN" sz="2000" b="1" dirty="0">
                 <a:latin typeface="Courier New" panose="02070309020205020404" pitchFamily="49" charset="0"/>
               </a:rPr>
               <a:t>// what’s “&lt;“?</a:t>
@@ -5361,7 +5388,7 @@
               <a:buNone/>
             </a:pPr>
             <a:r>
-              <a:rPr lang="en-US" altLang="zh-CN" sz="2000" b="1">
+              <a:rPr lang="en-US" altLang="zh-CN" sz="2000" b="1" dirty="0">
                 <a:solidFill>
                   <a:schemeClr val="folHlink"/>
                 </a:solidFill>
@@ -5379,7 +5406,7 @@
               <a:buNone/>
             </a:pPr>
             <a:r>
-              <a:rPr lang="en-US" altLang="zh-CN" sz="2000" b="1">
+              <a:rPr lang="en-US" altLang="zh-CN" sz="2000" b="1" dirty="0">
                 <a:solidFill>
                   <a:schemeClr val="folHlink"/>
                 </a:solidFill>
@@ -5397,7 +5424,7 @@
               <a:buNone/>
             </a:pPr>
             <a:r>
-              <a:rPr lang="en-US" altLang="zh-CN" sz="2000" b="1">
+              <a:rPr lang="en-US" altLang="zh-CN" sz="2000" b="1" dirty="0">
                 <a:solidFill>
                   <a:schemeClr val="folHlink"/>
                 </a:solidFill>
@@ -13994,13 +14021,22 @@
               <a:buNone/>
             </a:pPr>
             <a:r>
-              <a:rPr lang="en-US" altLang="zh-CN" sz="2000" b="1">
+              <a:rPr lang="en-US" altLang="zh-CN" sz="2000" b="1" dirty="0" err="1">
                 <a:solidFill>
                   <a:schemeClr val="folHlink"/>
                 </a:solidFill>
                 <a:latin typeface="Courier New" panose="02070309020205020404" pitchFamily="49" charset="0"/>
               </a:rPr>
-              <a:t>poly lookup2 (T t, poly key)</a:t>
+              <a:t>Poly_t</a:t>
+            </a:r>
+            <a:r>
+              <a:rPr lang="en-US" altLang="zh-CN" sz="2000" b="1" dirty="0">
+                <a:solidFill>
+                  <a:schemeClr val="folHlink"/>
+                </a:solidFill>
+                <a:latin typeface="Courier New" panose="02070309020205020404" pitchFamily="49" charset="0"/>
+              </a:rPr>
+              <a:t> lookup2(T t, poly key){</a:t>
             </a:r>
           </a:p>
           <a:p>
@@ -14012,13 +14048,13 @@
               <a:buNone/>
             </a:pPr>
             <a:r>
-              <a:rPr lang="en-US" altLang="zh-CN" sz="2000" b="1">
+              <a:rPr lang="en-US" altLang="zh-CN" sz="2000" b="1" dirty="0">
                 <a:solidFill>
                   <a:schemeClr val="folHlink"/>
                 </a:solidFill>
                 <a:latin typeface="Courier New" panose="02070309020205020404" pitchFamily="49" charset="0"/>
               </a:rPr>
-              <a:t>{</a:t>
+              <a:t>  if(!t)</a:t>
             </a:r>
           </a:p>
           <a:p>
@@ -14030,13 +14066,13 @@
               <a:buNone/>
             </a:pPr>
             <a:r>
-              <a:rPr lang="en-US" altLang="zh-CN" sz="2000" b="1">
+              <a:rPr lang="en-US" altLang="zh-CN" sz="2000" b="1" dirty="0">
                 <a:solidFill>
                   <a:schemeClr val="folHlink"/>
                 </a:solidFill>
                 <a:latin typeface="Courier New" panose="02070309020205020404" pitchFamily="49" charset="0"/>
               </a:rPr>
-              <a:t>  if (0==t)</a:t>
+              <a:t>    return 0;</a:t>
             </a:r>
           </a:p>
           <a:p>
@@ -14048,13 +14084,13 @@
               <a:buNone/>
             </a:pPr>
             <a:r>
-              <a:rPr lang="en-US" altLang="zh-CN" sz="2000" b="1">
+              <a:rPr lang="en-US" altLang="zh-CN" sz="2000" b="1" dirty="0">
                 <a:solidFill>
                   <a:schemeClr val="folHlink"/>
                 </a:solidFill>
                 <a:latin typeface="Courier New" panose="02070309020205020404" pitchFamily="49" charset="0"/>
               </a:rPr>
-              <a:t>    return 0;</a:t>
+              <a:t>  </a:t>
             </a:r>
           </a:p>
           <a:p>
@@ -14066,13 +14102,13 @@
               <a:buNone/>
             </a:pPr>
             <a:r>
-              <a:rPr lang="en-US" altLang="zh-CN" sz="2000" b="1">
+              <a:rPr lang="en-US" altLang="zh-CN" sz="2000" b="1" dirty="0">
                 <a:solidFill>
                   <a:schemeClr val="folHlink"/>
                 </a:solidFill>
                 <a:latin typeface="Courier New" panose="02070309020205020404" pitchFamily="49" charset="0"/>
               </a:rPr>
-              <a:t>  </a:t>
+              <a:t>  T p = t;</a:t>
             </a:r>
           </a:p>
           <a:p>
@@ -14084,13 +14120,31 @@
               <a:buNone/>
             </a:pPr>
             <a:r>
-              <a:rPr lang="en-US" altLang="zh-CN" sz="2000" b="1">
+              <a:rPr lang="en-US" altLang="zh-CN" sz="2000" b="1" dirty="0">
                 <a:solidFill>
                   <a:schemeClr val="folHlink"/>
                 </a:solidFill>
                 <a:latin typeface="Courier New" panose="02070309020205020404" pitchFamily="49" charset="0"/>
               </a:rPr>
-              <a:t>  T p = t;</a:t>
+              <a:t>  while(p &amp;&amp; p-&gt;key!=key){   </a:t>
+            </a:r>
+            <a:r>
+              <a:rPr lang="en-US" altLang="zh-CN" sz="2000" b="1" dirty="0">
+                <a:latin typeface="Courier New" panose="02070309020205020404" pitchFamily="49" charset="0"/>
+              </a:rPr>
+              <a:t>// what</a:t>
+            </a:r>
+            <a:r>
+              <a:rPr lang="zh-CN" altLang="en-US" sz="2000" b="1" dirty="0">
+                <a:latin typeface="Courier New" panose="02070309020205020404" pitchFamily="49" charset="0"/>
+              </a:rPr>
+              <a:t> </a:t>
+            </a:r>
+            <a:r>
+              <a:rPr lang="en-US" altLang="zh-CN" sz="2000" b="1" dirty="0">
+                <a:latin typeface="Courier New" panose="02070309020205020404" pitchFamily="49" charset="0"/>
+              </a:rPr>
+              <a:t>is “!=“?</a:t>
             </a:r>
           </a:p>
           <a:p>
@@ -14102,19 +14156,13 @@
               <a:buNone/>
             </a:pPr>
             <a:r>
-              <a:rPr lang="en-US" altLang="zh-CN" sz="2000" b="1">
+              <a:rPr lang="en-US" altLang="zh-CN" sz="2000" b="1" dirty="0">
                 <a:solidFill>
                   <a:schemeClr val="folHlink"/>
                 </a:solidFill>
                 <a:latin typeface="Courier New" panose="02070309020205020404" pitchFamily="49" charset="0"/>
               </a:rPr>
-              <a:t>  while (p &amp;&amp; p-&gt;key!=key){   </a:t>
-            </a:r>
-            <a:r>
-              <a:rPr lang="en-US" altLang="zh-CN" sz="2000" b="1">
-                <a:latin typeface="Courier New" panose="02070309020205020404" pitchFamily="49" charset="0"/>
-              </a:rPr>
-              <a:t>// what’s “!=“?</a:t>
+              <a:t>    if(key &lt; p-&gt;key)</a:t>
             </a:r>
           </a:p>
           <a:p>
@@ -14126,13 +14174,13 @@
               <a:buNone/>
             </a:pPr>
             <a:r>
-              <a:rPr lang="en-US" altLang="zh-CN" sz="2000" b="1">
+              <a:rPr lang="en-US" altLang="zh-CN" sz="2000" b="1" dirty="0">
                 <a:solidFill>
                   <a:schemeClr val="folHlink"/>
                 </a:solidFill>
                 <a:latin typeface="Courier New" panose="02070309020205020404" pitchFamily="49" charset="0"/>
               </a:rPr>
-              <a:t>    if (key &lt; p-&gt;key)</a:t>
+              <a:t>      p = p-&gt;left;</a:t>
             </a:r>
           </a:p>
           <a:p>
@@ -14144,13 +14192,13 @@
               <a:buNone/>
             </a:pPr>
             <a:r>
-              <a:rPr lang="en-US" altLang="zh-CN" sz="2000" b="1">
+              <a:rPr lang="en-US" altLang="zh-CN" sz="2000" b="1" dirty="0">
                 <a:solidFill>
                   <a:schemeClr val="folHlink"/>
                 </a:solidFill>
                 <a:latin typeface="Courier New" panose="02070309020205020404" pitchFamily="49" charset="0"/>
               </a:rPr>
-              <a:t>      p = p-&gt;left;</a:t>
+              <a:t>    else</a:t>
             </a:r>
           </a:p>
           <a:p>
@@ -14162,13 +14210,13 @@
               <a:buNone/>
             </a:pPr>
             <a:r>
-              <a:rPr lang="en-US" altLang="zh-CN" sz="2000" b="1">
+              <a:rPr lang="en-US" altLang="zh-CN" sz="2000" b="1" dirty="0">
                 <a:solidFill>
                   <a:schemeClr val="folHlink"/>
                 </a:solidFill>
                 <a:latin typeface="Courier New" panose="02070309020205020404" pitchFamily="49" charset="0"/>
               </a:rPr>
-              <a:t>    else</a:t>
+              <a:t>      p = p-&gt;right;</a:t>
             </a:r>
           </a:p>
           <a:p>
@@ -14180,13 +14228,13 @@
               <a:buNone/>
             </a:pPr>
             <a:r>
-              <a:rPr lang="en-US" altLang="zh-CN" sz="2000" b="1">
+              <a:rPr lang="en-US" altLang="zh-CN" sz="2000" b="1" dirty="0">
                 <a:solidFill>
                   <a:schemeClr val="folHlink"/>
                 </a:solidFill>
                 <a:latin typeface="Courier New" panose="02070309020205020404" pitchFamily="49" charset="0"/>
               </a:rPr>
-              <a:t>      p = p-&gt;right;</a:t>
+              <a:t>  }</a:t>
             </a:r>
           </a:p>
           <a:p>
@@ -14197,15 +14245,12 @@
               <a:buFont typeface="Wingdings" pitchFamily="2" charset="2"/>
               <a:buNone/>
             </a:pPr>
-            <a:r>
-              <a:rPr lang="en-US" altLang="zh-CN" sz="2000" b="1">
-                <a:solidFill>
-                  <a:schemeClr val="folHlink"/>
-                </a:solidFill>
-                <a:latin typeface="Courier New" panose="02070309020205020404" pitchFamily="49" charset="0"/>
-              </a:rPr>
-              <a:t>  }</a:t>
-            </a:r>
+            <a:endParaRPr lang="en-US" altLang="zh-CN" sz="2000" b="1" dirty="0">
+              <a:solidFill>
+                <a:schemeClr val="folHlink"/>
+              </a:solidFill>
+              <a:latin typeface="Courier New" panose="02070309020205020404" pitchFamily="49" charset="0"/>
+            </a:endParaRPr>
           </a:p>
           <a:p>
             <a:pPr>
@@ -14215,12 +14260,15 @@
               <a:buFont typeface="Wingdings" pitchFamily="2" charset="2"/>
               <a:buNone/>
             </a:pPr>
-            <a:endParaRPr lang="en-US" altLang="zh-CN" sz="2000" b="1">
-              <a:solidFill>
-                <a:schemeClr val="folHlink"/>
-              </a:solidFill>
-              <a:latin typeface="Courier New" panose="02070309020205020404" pitchFamily="49" charset="0"/>
-            </a:endParaRPr>
+            <a:r>
+              <a:rPr lang="en-US" altLang="zh-CN" sz="2000" b="1" dirty="0">
+                <a:solidFill>
+                  <a:schemeClr val="folHlink"/>
+                </a:solidFill>
+                <a:latin typeface="Courier New" panose="02070309020205020404" pitchFamily="49" charset="0"/>
+              </a:rPr>
+              <a:t>  return p;</a:t>
+            </a:r>
           </a:p>
           <a:p>
             <a:pPr>
@@ -14231,25 +14279,7 @@
               <a:buNone/>
             </a:pPr>
             <a:r>
-              <a:rPr lang="en-US" altLang="zh-CN" sz="2000" b="1">
-                <a:solidFill>
-                  <a:schemeClr val="folHlink"/>
-                </a:solidFill>
-                <a:latin typeface="Courier New" panose="02070309020205020404" pitchFamily="49" charset="0"/>
-              </a:rPr>
-              <a:t>  return p;</a:t>
-            </a:r>
-          </a:p>
-          <a:p>
-            <a:pPr>
-              <a:lnSpc>
-                <a:spcPct val="80000"/>
-              </a:lnSpc>
-              <a:buFont typeface="Wingdings" pitchFamily="2" charset="2"/>
-              <a:buNone/>
-            </a:pPr>
-            <a:r>
-              <a:rPr lang="en-US" altLang="zh-CN" sz="2000" b="1">
+              <a:rPr lang="en-US" altLang="zh-CN" sz="2000" b="1" dirty="0">
                 <a:solidFill>
                   <a:schemeClr val="folHlink"/>
                 </a:solidFill>
@@ -14257,7 +14287,7 @@
               </a:rPr>
               <a:t>}</a:t>
             </a:r>
-            <a:endParaRPr lang="en-US" altLang="zh-CN" sz="2000">
+            <a:endParaRPr lang="en-US" altLang="zh-CN" sz="2000" dirty="0">
               <a:solidFill>
                 <a:schemeClr val="folHlink"/>
               </a:solidFill>
@@ -24886,8 +24916,16 @@
           <a:lstStyle/>
           <a:p>
             <a:r>
-              <a:rPr lang="en-US" altLang="zh-CN"/>
-              <a:t>Abstract Data Types in C: Interface</a:t>
+              <a:rPr lang="en-US" altLang="zh-CN" dirty="0"/>
+              <a:t>BST</a:t>
+            </a:r>
+            <a:r>
+              <a:rPr lang="zh-CN" altLang="en-US" dirty="0"/>
+              <a:t> </a:t>
+            </a:r>
+            <a:r>
+              <a:rPr lang="en-US" altLang="zh-CN" dirty="0"/>
+              <a:t>Interface</a:t>
             </a:r>
           </a:p>
         </p:txBody>
@@ -24921,10 +24959,22 @@
               <a:buNone/>
             </a:pPr>
             <a:r>
-              <a:rPr lang="en-US" altLang="zh-CN" sz="2000" b="1">
+              <a:rPr lang="en-US" altLang="zh-CN" sz="2000" b="1" dirty="0">
                 <a:latin typeface="Courier New" panose="02070309020205020404" pitchFamily="49" charset="0"/>
               </a:rPr>
-              <a:t>// in file “bst.h”</a:t>
+              <a:t>// in file “</a:t>
+            </a:r>
+            <a:r>
+              <a:rPr lang="en-US" altLang="zh-CN" sz="2000" b="1" dirty="0" err="1">
+                <a:latin typeface="Courier New" panose="02070309020205020404" pitchFamily="49" charset="0"/>
+              </a:rPr>
+              <a:t>bst.h</a:t>
+            </a:r>
+            <a:r>
+              <a:rPr lang="en-US" altLang="zh-CN" sz="2000" b="1" dirty="0">
+                <a:latin typeface="Courier New" panose="02070309020205020404" pitchFamily="49" charset="0"/>
+              </a:rPr>
+              <a:t>”</a:t>
             </a:r>
           </a:p>
           <a:p>
@@ -24936,13 +24986,31 @@
               <a:buNone/>
             </a:pPr>
             <a:r>
-              <a:rPr lang="en-US" altLang="zh-CN" sz="2000" b="1">
+              <a:rPr lang="en-US" altLang="zh-CN" sz="2000" b="1" dirty="0">
                 <a:solidFill>
                   <a:schemeClr val="folHlink"/>
                 </a:solidFill>
                 <a:latin typeface="Courier New" panose="02070309020205020404" pitchFamily="49" charset="0"/>
               </a:rPr>
-              <a:t>#ifndef BST_H</a:t>
+              <a:t>#</a:t>
+            </a:r>
+            <a:r>
+              <a:rPr lang="en-US" altLang="zh-CN" sz="2000" b="1" dirty="0" err="1">
+                <a:solidFill>
+                  <a:schemeClr val="folHlink"/>
+                </a:solidFill>
+                <a:latin typeface="Courier New" panose="02070309020205020404" pitchFamily="49" charset="0"/>
+              </a:rPr>
+              <a:t>ifndef</a:t>
+            </a:r>
+            <a:r>
+              <a:rPr lang="en-US" altLang="zh-CN" sz="2000" b="1" dirty="0">
+                <a:solidFill>
+                  <a:schemeClr val="folHlink"/>
+                </a:solidFill>
+                <a:latin typeface="Courier New" panose="02070309020205020404" pitchFamily="49" charset="0"/>
+              </a:rPr>
+              <a:t> BST_H</a:t>
             </a:r>
           </a:p>
           <a:p>
@@ -24954,7 +25022,7 @@
               <a:buNone/>
             </a:pPr>
             <a:r>
-              <a:rPr lang="en-US" altLang="zh-CN" sz="2000" b="1">
+              <a:rPr lang="en-US" altLang="zh-CN" sz="2000" b="1" dirty="0">
                 <a:solidFill>
                   <a:schemeClr val="folHlink"/>
                 </a:solidFill>
@@ -24971,7 +25039,7 @@
               <a:buFont typeface="Wingdings" pitchFamily="2" charset="2"/>
               <a:buNone/>
             </a:pPr>
-            <a:endParaRPr lang="en-US" altLang="zh-CN" sz="2000" b="1">
+            <a:endParaRPr lang="en-US" altLang="zh-CN" sz="2000" b="1" dirty="0">
               <a:solidFill>
                 <a:schemeClr val="folHlink"/>
               </a:solidFill>
@@ -24987,14 +25055,29 @@
               <a:buNone/>
             </a:pPr>
             <a:r>
-              <a:rPr lang="en-US" altLang="zh-CN" sz="2000" b="1">
+              <a:rPr lang="en-US" altLang="zh-CN" sz="2000" b="1" dirty="0">
                 <a:solidFill>
                   <a:schemeClr val="folHlink"/>
                 </a:solidFill>
                 <a:latin typeface="Courier New" panose="02070309020205020404" pitchFamily="49" charset="0"/>
               </a:rPr>
-              <a:t>#define T Bst_t</a:t>
-            </a:r>
+              <a:t>#define T </a:t>
+            </a:r>
+            <a:r>
+              <a:rPr lang="en-US" altLang="zh-CN" sz="2000" b="1" dirty="0" err="1">
+                <a:solidFill>
+                  <a:schemeClr val="folHlink"/>
+                </a:solidFill>
+                <a:latin typeface="Courier New" panose="02070309020205020404" pitchFamily="49" charset="0"/>
+              </a:rPr>
+              <a:t>Bst_t</a:t>
+            </a:r>
+            <a:endParaRPr lang="en-US" altLang="zh-CN" sz="2000" b="1" dirty="0">
+              <a:solidFill>
+                <a:schemeClr val="folHlink"/>
+              </a:solidFill>
+              <a:latin typeface="Courier New" panose="02070309020205020404" pitchFamily="49" charset="0"/>
+            </a:endParaRPr>
           </a:p>
           <a:p>
             <a:pPr>
@@ -25005,7 +25088,7 @@
               <a:buNone/>
             </a:pPr>
             <a:r>
-              <a:rPr lang="en-US" altLang="zh-CN" sz="2000" b="1">
+              <a:rPr lang="en-US" altLang="zh-CN" sz="2000" b="1" dirty="0">
                 <a:solidFill>
                   <a:schemeClr val="folHlink"/>
                 </a:solidFill>
@@ -25022,7 +25105,7 @@
               <a:buFont typeface="Wingdings" pitchFamily="2" charset="2"/>
               <a:buNone/>
             </a:pPr>
-            <a:endParaRPr lang="en-US" altLang="zh-CN" sz="2000" b="1">
+            <a:endParaRPr lang="en-US" altLang="zh-CN" sz="2000" b="1" dirty="0">
               <a:solidFill>
                 <a:schemeClr val="folHlink"/>
               </a:solidFill>
@@ -25038,13 +25121,31 @@
               <a:buNone/>
             </a:pPr>
             <a:r>
-              <a:rPr lang="en-US" altLang="zh-CN" sz="2000" b="1">
+              <a:rPr lang="en-US" altLang="zh-CN" sz="2000" b="1" dirty="0">
                 <a:solidFill>
                   <a:schemeClr val="folHlink"/>
                 </a:solidFill>
                 <a:latin typeface="Courier New" panose="02070309020205020404" pitchFamily="49" charset="0"/>
               </a:rPr>
-              <a:t>T Bst_new ();</a:t>
+              <a:t>T </a:t>
+            </a:r>
+            <a:r>
+              <a:rPr lang="en-US" altLang="zh-CN" sz="2000" b="1" dirty="0" err="1">
+                <a:solidFill>
+                  <a:schemeClr val="folHlink"/>
+                </a:solidFill>
+                <a:latin typeface="Courier New" panose="02070309020205020404" pitchFamily="49" charset="0"/>
+              </a:rPr>
+              <a:t>Bst_new</a:t>
+            </a:r>
+            <a:r>
+              <a:rPr lang="en-US" altLang="zh-CN" sz="2000" b="1" dirty="0">
+                <a:solidFill>
+                  <a:schemeClr val="folHlink"/>
+                </a:solidFill>
+                <a:latin typeface="Courier New" panose="02070309020205020404" pitchFamily="49" charset="0"/>
+              </a:rPr>
+              <a:t>();</a:t>
             </a:r>
           </a:p>
           <a:p>
@@ -25056,13 +25157,67 @@
               <a:buNone/>
             </a:pPr>
             <a:r>
-              <a:rPr lang="en-US" altLang="zh-CN" sz="2000" b="1">
+              <a:rPr lang="en-US" altLang="zh-CN" sz="2000" b="1" dirty="0">
                 <a:solidFill>
                   <a:schemeClr val="folHlink"/>
                 </a:solidFill>
                 <a:latin typeface="Courier New" panose="02070309020205020404" pitchFamily="49" charset="0"/>
               </a:rPr>
-              <a:t>T Bst_insert (T t, poly key, poly value);</a:t>
+              <a:t>T </a:t>
+            </a:r>
+            <a:r>
+              <a:rPr lang="en-US" altLang="zh-CN" sz="2000" b="1" dirty="0" err="1">
+                <a:solidFill>
+                  <a:schemeClr val="folHlink"/>
+                </a:solidFill>
+                <a:latin typeface="Courier New" panose="02070309020205020404" pitchFamily="49" charset="0"/>
+              </a:rPr>
+              <a:t>Bst_insert</a:t>
+            </a:r>
+            <a:r>
+              <a:rPr lang="en-US" altLang="zh-CN" sz="2000" b="1" dirty="0">
+                <a:solidFill>
+                  <a:schemeClr val="folHlink"/>
+                </a:solidFill>
+                <a:latin typeface="Courier New" panose="02070309020205020404" pitchFamily="49" charset="0"/>
+              </a:rPr>
+              <a:t>(T t, </a:t>
+            </a:r>
+            <a:r>
+              <a:rPr lang="en-US" altLang="zh-CN" sz="2000" b="1" dirty="0" err="1">
+                <a:solidFill>
+                  <a:schemeClr val="folHlink"/>
+                </a:solidFill>
+                <a:latin typeface="Courier New" panose="02070309020205020404" pitchFamily="49" charset="0"/>
+              </a:rPr>
+              <a:t>Poly_t</a:t>
+            </a:r>
+            <a:r>
+              <a:rPr lang="en-US" altLang="zh-CN" sz="2000" b="1" dirty="0">
+                <a:solidFill>
+                  <a:schemeClr val="folHlink"/>
+                </a:solidFill>
+                <a:latin typeface="Courier New" panose="02070309020205020404" pitchFamily="49" charset="0"/>
+              </a:rPr>
+              <a:t> key, </a:t>
+            </a:r>
+            <a:r>
+              <a:rPr lang="en-US" altLang="zh-CN" sz="2000" b="1" dirty="0" err="1">
+                <a:solidFill>
+                  <a:schemeClr val="folHlink"/>
+                </a:solidFill>
+                <a:latin typeface="Courier New" panose="02070309020205020404" pitchFamily="49" charset="0"/>
+              </a:rPr>
+              <a:t>Poly_t</a:t>
+            </a:r>
+            <a:r>
+              <a:rPr lang="en-US" altLang="zh-CN" sz="2000" b="1" dirty="0">
+                <a:solidFill>
+                  <a:schemeClr val="folHlink"/>
+                </a:solidFill>
+                <a:latin typeface="Courier New" panose="02070309020205020404" pitchFamily="49" charset="0"/>
+              </a:rPr>
+              <a:t> value);</a:t>
             </a:r>
           </a:p>
           <a:p>
@@ -25074,13 +25229,58 @@
               <a:buNone/>
             </a:pPr>
             <a:r>
-              <a:rPr lang="en-US" altLang="zh-CN" sz="2000" b="1">
+              <a:rPr lang="en-US" altLang="zh-CN" sz="2000" b="1" dirty="0" err="1">
                 <a:solidFill>
                   <a:schemeClr val="folHlink"/>
                 </a:solidFill>
                 <a:latin typeface="Courier New" panose="02070309020205020404" pitchFamily="49" charset="0"/>
               </a:rPr>
-              <a:t>poly Bst_lookup (T t, poly key);</a:t>
+              <a:t>Poly_t</a:t>
+            </a:r>
+            <a:r>
+              <a:rPr lang="en-US" altLang="zh-CN" sz="2000" b="1" dirty="0">
+                <a:solidFill>
+                  <a:schemeClr val="folHlink"/>
+                </a:solidFill>
+                <a:latin typeface="Courier New" panose="02070309020205020404" pitchFamily="49" charset="0"/>
+              </a:rPr>
+              <a:t> </a:t>
+            </a:r>
+            <a:r>
+              <a:rPr lang="en-US" altLang="zh-CN" sz="2000" b="1" dirty="0" err="1">
+                <a:solidFill>
+                  <a:schemeClr val="folHlink"/>
+                </a:solidFill>
+                <a:latin typeface="Courier New" panose="02070309020205020404" pitchFamily="49" charset="0"/>
+              </a:rPr>
+              <a:t>Bst_lookup</a:t>
+            </a:r>
+            <a:r>
+              <a:rPr lang="en-US" altLang="zh-CN" sz="2000" b="1" dirty="0">
+                <a:solidFill>
+                  <a:schemeClr val="folHlink"/>
+                </a:solidFill>
+                <a:latin typeface="Courier New" panose="02070309020205020404" pitchFamily="49" charset="0"/>
+              </a:rPr>
+              <a:t>(T t, </a:t>
+            </a:r>
+            <a:r>
+              <a:rPr lang="en-US" altLang="zh-CN" sz="2000" b="1" dirty="0" err="1">
+                <a:solidFill>
+                  <a:schemeClr val="folHlink"/>
+                </a:solidFill>
+                <a:latin typeface="Courier New" panose="02070309020205020404" pitchFamily="49" charset="0"/>
+              </a:rPr>
+              <a:t>Poly_t</a:t>
+            </a:r>
+            <a:r>
+              <a:rPr lang="en-US" altLang="zh-CN" sz="2000" b="1" dirty="0">
+                <a:solidFill>
+                  <a:schemeClr val="folHlink"/>
+                </a:solidFill>
+                <a:latin typeface="Courier New" panose="02070309020205020404" pitchFamily="49" charset="0"/>
+              </a:rPr>
+              <a:t> key);</a:t>
             </a:r>
           </a:p>
           <a:p>
@@ -25091,7 +25291,7 @@
               <a:buFont typeface="Wingdings" pitchFamily="2" charset="2"/>
               <a:buNone/>
             </a:pPr>
-            <a:endParaRPr lang="en-US" altLang="zh-CN" sz="2000" b="1">
+            <a:endParaRPr lang="en-US" altLang="zh-CN" sz="2000" b="1" dirty="0">
               <a:solidFill>
                 <a:schemeClr val="folHlink"/>
               </a:solidFill>
@@ -25107,13 +25307,31 @@
               <a:buNone/>
             </a:pPr>
             <a:r>
-              <a:rPr lang="en-US" altLang="zh-CN" sz="2000" b="1">
+              <a:rPr lang="en-US" altLang="zh-CN" sz="2000" b="1" dirty="0">
                 <a:solidFill>
                   <a:schemeClr val="folHlink"/>
                 </a:solidFill>
                 <a:latin typeface="Courier New" panose="02070309020205020404" pitchFamily="49" charset="0"/>
               </a:rPr>
-              <a:t>#undef T</a:t>
+              <a:t>#</a:t>
+            </a:r>
+            <a:r>
+              <a:rPr lang="en-US" altLang="zh-CN" sz="2000" b="1" dirty="0" err="1">
+                <a:solidFill>
+                  <a:schemeClr val="folHlink"/>
+                </a:solidFill>
+                <a:latin typeface="Courier New" panose="02070309020205020404" pitchFamily="49" charset="0"/>
+              </a:rPr>
+              <a:t>undef</a:t>
+            </a:r>
+            <a:r>
+              <a:rPr lang="en-US" altLang="zh-CN" sz="2000" b="1" dirty="0">
+                <a:solidFill>
+                  <a:schemeClr val="folHlink"/>
+                </a:solidFill>
+                <a:latin typeface="Courier New" panose="02070309020205020404" pitchFamily="49" charset="0"/>
+              </a:rPr>
+              <a:t> T</a:t>
             </a:r>
           </a:p>
           <a:p>
@@ -25125,7 +25343,7 @@
               <a:buNone/>
             </a:pPr>
             <a:r>
-              <a:rPr lang="en-US" altLang="zh-CN" sz="2000" b="1">
+              <a:rPr lang="en-US" altLang="zh-CN" sz="2000" b="1" dirty="0">
                 <a:solidFill>
                   <a:schemeClr val="folHlink"/>
                 </a:solidFill>
@@ -25215,10 +25433,22 @@
               <a:buNone/>
             </a:pPr>
             <a:r>
-              <a:rPr lang="en-US" altLang="zh-CN" sz="2000" b="1">
+              <a:rPr lang="en-US" altLang="zh-CN" sz="2000" b="1" dirty="0">
                 <a:latin typeface="Courier New" panose="02070309020205020404" pitchFamily="49" charset="0"/>
               </a:rPr>
-              <a:t>// in file “bst.c”</a:t>
+              <a:t>// in file “</a:t>
+            </a:r>
+            <a:r>
+              <a:rPr lang="en-US" altLang="zh-CN" sz="2000" b="1" dirty="0" err="1">
+                <a:latin typeface="Courier New" panose="02070309020205020404" pitchFamily="49" charset="0"/>
+              </a:rPr>
+              <a:t>bst.c</a:t>
+            </a:r>
+            <a:r>
+              <a:rPr lang="en-US" altLang="zh-CN" sz="2000" b="1" dirty="0">
+                <a:latin typeface="Courier New" panose="02070309020205020404" pitchFamily="49" charset="0"/>
+              </a:rPr>
+              <a:t>”</a:t>
             </a:r>
           </a:p>
           <a:p>
@@ -25227,13 +25457,31 @@
               <a:buNone/>
             </a:pPr>
             <a:r>
-              <a:rPr lang="en-US" altLang="zh-CN" sz="2000" b="1">
+              <a:rPr lang="en-US" altLang="zh-CN" sz="2000" b="1" dirty="0">
                 <a:solidFill>
-                  <a:schemeClr val="folHlink"/>
+                  <a:srgbClr val="0432FF"/>
                 </a:solidFill>
                 <a:latin typeface="Courier New" panose="02070309020205020404" pitchFamily="49" charset="0"/>
               </a:rPr>
-              <a:t>#include “bst.h”</a:t>
+              <a:t>#include “</a:t>
+            </a:r>
+            <a:r>
+              <a:rPr lang="en-US" altLang="zh-CN" sz="2000" b="1" dirty="0" err="1">
+                <a:solidFill>
+                  <a:srgbClr val="0432FF"/>
+                </a:solidFill>
+                <a:latin typeface="Courier New" panose="02070309020205020404" pitchFamily="49" charset="0"/>
+              </a:rPr>
+              <a:t>bst.h</a:t>
+            </a:r>
+            <a:r>
+              <a:rPr lang="en-US" altLang="zh-CN" sz="2000" b="1" dirty="0">
+                <a:solidFill>
+                  <a:srgbClr val="0432FF"/>
+                </a:solidFill>
+                <a:latin typeface="Courier New" panose="02070309020205020404" pitchFamily="49" charset="0"/>
+              </a:rPr>
+              <a:t>”</a:t>
             </a:r>
           </a:p>
           <a:p>
@@ -25241,9 +25489,9 @@
               <a:buFont typeface="Wingdings" pitchFamily="2" charset="2"/>
               <a:buNone/>
             </a:pPr>
-            <a:endParaRPr lang="en-US" altLang="zh-CN" sz="2000" b="1">
+            <a:endParaRPr lang="en-US" altLang="zh-CN" sz="2000" b="1" dirty="0">
               <a:solidFill>
-                <a:schemeClr val="folHlink"/>
+                <a:srgbClr val="0432FF"/>
               </a:solidFill>
               <a:latin typeface="Courier New" panose="02070309020205020404" pitchFamily="49" charset="0"/>
             </a:endParaRPr>
@@ -25254,14 +25502,29 @@
               <a:buNone/>
             </a:pPr>
             <a:r>
-              <a:rPr lang="en-US" altLang="zh-CN" sz="2000" b="1">
+              <a:rPr lang="en-US" altLang="zh-CN" sz="2000" b="1" dirty="0">
                 <a:solidFill>
-                  <a:schemeClr val="folHlink"/>
+                  <a:srgbClr val="0432FF"/>
                 </a:solidFill>
                 <a:latin typeface="Courier New" panose="02070309020205020404" pitchFamily="49" charset="0"/>
               </a:rPr>
-              <a:t>#define T Bst_t</a:t>
-            </a:r>
+              <a:t>#define T </a:t>
+            </a:r>
+            <a:r>
+              <a:rPr lang="en-US" altLang="zh-CN" sz="2000" b="1" dirty="0" err="1">
+                <a:solidFill>
+                  <a:srgbClr val="0432FF"/>
+                </a:solidFill>
+                <a:latin typeface="Courier New" panose="02070309020205020404" pitchFamily="49" charset="0"/>
+              </a:rPr>
+              <a:t>Bst_t</a:t>
+            </a:r>
+            <a:endParaRPr lang="en-US" altLang="zh-CN" sz="2000" b="1" dirty="0">
+              <a:solidFill>
+                <a:srgbClr val="0432FF"/>
+              </a:solidFill>
+              <a:latin typeface="Courier New" panose="02070309020205020404" pitchFamily="49" charset="0"/>
+            </a:endParaRPr>
           </a:p>
           <a:p>
             <a:pPr>
@@ -25269,13 +25532,13 @@
               <a:buNone/>
             </a:pPr>
             <a:r>
-              <a:rPr lang="en-US" altLang="zh-CN" sz="2000" b="1">
+              <a:rPr lang="en-US" altLang="zh-CN" sz="2000" b="1" dirty="0">
                 <a:solidFill>
-                  <a:schemeClr val="folHlink"/>
+                  <a:srgbClr val="0432FF"/>
                 </a:solidFill>
                 <a:latin typeface="Courier New" panose="02070309020205020404" pitchFamily="49" charset="0"/>
               </a:rPr>
-              <a:t>struct T</a:t>
+              <a:t>struct T{</a:t>
             </a:r>
           </a:p>
           <a:p>
@@ -25284,13 +25547,31 @@
               <a:buNone/>
             </a:pPr>
             <a:r>
-              <a:rPr lang="en-US" altLang="zh-CN" sz="2000" b="1">
+              <a:rPr lang="en-US" altLang="zh-CN" sz="2000" b="1" dirty="0">
                 <a:solidFill>
-                  <a:schemeClr val="folHlink"/>
+                  <a:srgbClr val="0432FF"/>
                 </a:solidFill>
                 <a:latin typeface="Courier New" panose="02070309020205020404" pitchFamily="49" charset="0"/>
               </a:rPr>
-              <a:t>{</a:t>
+              <a:t>  </a:t>
+            </a:r>
+            <a:r>
+              <a:rPr lang="en-US" altLang="zh-CN" sz="2000" b="1" dirty="0" err="1">
+                <a:solidFill>
+                  <a:srgbClr val="0432FF"/>
+                </a:solidFill>
+                <a:latin typeface="Courier New" panose="02070309020205020404" pitchFamily="49" charset="0"/>
+              </a:rPr>
+              <a:t>Poly_t</a:t>
+            </a:r>
+            <a:r>
+              <a:rPr lang="en-US" altLang="zh-CN" sz="2000" b="1" dirty="0">
+                <a:solidFill>
+                  <a:srgbClr val="0432FF"/>
+                </a:solidFill>
+                <a:latin typeface="Courier New" panose="02070309020205020404" pitchFamily="49" charset="0"/>
+              </a:rPr>
+              <a:t> key;</a:t>
             </a:r>
           </a:p>
           <a:p>
@@ -25299,13 +25580,40 @@
               <a:buNone/>
             </a:pPr>
             <a:r>
-              <a:rPr lang="en-US" altLang="zh-CN" sz="2000" b="1">
+              <a:rPr lang="zh-CN" altLang="en-US" sz="2000" b="1" dirty="0">
                 <a:solidFill>
-                  <a:schemeClr val="folHlink"/>
+                  <a:srgbClr val="0432FF"/>
                 </a:solidFill>
                 <a:latin typeface="Courier New" panose="02070309020205020404" pitchFamily="49" charset="0"/>
               </a:rPr>
-              <a:t>  poly data;</a:t>
+              <a:t>  </a:t>
+            </a:r>
+            <a:r>
+              <a:rPr lang="en-US" altLang="zh-CN" sz="2000" b="1" dirty="0" err="1">
+                <a:solidFill>
+                  <a:srgbClr val="0432FF"/>
+                </a:solidFill>
+                <a:latin typeface="Courier New" panose="02070309020205020404" pitchFamily="49" charset="0"/>
+              </a:rPr>
+              <a:t>Poly_t</a:t>
+            </a:r>
+            <a:r>
+              <a:rPr lang="zh-CN" altLang="en-US" sz="2000" b="1" dirty="0">
+                <a:solidFill>
+                  <a:srgbClr val="0432FF"/>
+                </a:solidFill>
+                <a:latin typeface="Courier New" panose="02070309020205020404" pitchFamily="49" charset="0"/>
+              </a:rPr>
+              <a:t> </a:t>
+            </a:r>
+            <a:r>
+              <a:rPr lang="en-US" altLang="zh-CN" sz="2000" b="1" dirty="0">
+                <a:solidFill>
+                  <a:srgbClr val="0432FF"/>
+                </a:solidFill>
+                <a:latin typeface="Courier New" panose="02070309020205020404" pitchFamily="49" charset="0"/>
+              </a:rPr>
+              <a:t>value;</a:t>
             </a:r>
           </a:p>
           <a:p>
@@ -25314,9 +25622,9 @@
               <a:buNone/>
             </a:pPr>
             <a:r>
-              <a:rPr lang="en-US" altLang="zh-CN" sz="2000" b="1">
+              <a:rPr lang="en-US" altLang="zh-CN" sz="2000" b="1" dirty="0">
                 <a:solidFill>
-                  <a:schemeClr val="folHlink"/>
+                  <a:srgbClr val="0432FF"/>
                 </a:solidFill>
                 <a:latin typeface="Courier New" panose="02070309020205020404" pitchFamily="49" charset="0"/>
               </a:rPr>
@@ -25329,9 +25637,9 @@
               <a:buNone/>
             </a:pPr>
             <a:r>
-              <a:rPr lang="en-US" altLang="zh-CN" sz="2000" b="1">
+              <a:rPr lang="en-US" altLang="zh-CN" sz="2000" b="1" dirty="0">
                 <a:solidFill>
-                  <a:schemeClr val="folHlink"/>
+                  <a:srgbClr val="0432FF"/>
                 </a:solidFill>
                 <a:latin typeface="Courier New" panose="02070309020205020404" pitchFamily="49" charset="0"/>
               </a:rPr>
@@ -25344,9 +25652,9 @@
               <a:buNone/>
             </a:pPr>
             <a:r>
-              <a:rPr lang="en-US" altLang="zh-CN" sz="2000" b="1">
+              <a:rPr lang="en-US" altLang="zh-CN" sz="2000" b="1" dirty="0">
                 <a:solidFill>
-                  <a:schemeClr val="folHlink"/>
+                  <a:srgbClr val="0432FF"/>
                 </a:solidFill>
                 <a:latin typeface="Courier New" panose="02070309020205020404" pitchFamily="49" charset="0"/>
               </a:rPr>
@@ -25358,7 +25666,7 @@
               <a:buFont typeface="Wingdings" pitchFamily="2" charset="2"/>
               <a:buNone/>
             </a:pPr>
-            <a:endParaRPr lang="en-US" altLang="zh-CN" sz="2000" b="1">
+            <a:endParaRPr lang="en-US" altLang="zh-CN" sz="2000" b="1" dirty="0">
               <a:solidFill>
                 <a:schemeClr val="folHlink"/>
               </a:solidFill>
@@ -25943,13 +26251,31 @@
               <a:buNone/>
             </a:pPr>
             <a:r>
-              <a:rPr lang="en-US" altLang="zh-CN" sz="2000" b="1">
+              <a:rPr lang="en-US" altLang="zh-CN" sz="2000" b="1" dirty="0">
                 <a:solidFill>
                   <a:schemeClr val="folHlink"/>
                 </a:solidFill>
                 <a:latin typeface="Courier New" panose="02070309020205020404" pitchFamily="49" charset="0"/>
               </a:rPr>
-              <a:t>T Bst_new ()</a:t>
+              <a:t>T </a:t>
+            </a:r>
+            <a:r>
+              <a:rPr lang="en-US" altLang="zh-CN" sz="2000" b="1" dirty="0" err="1">
+                <a:solidFill>
+                  <a:schemeClr val="folHlink"/>
+                </a:solidFill>
+                <a:latin typeface="Courier New" panose="02070309020205020404" pitchFamily="49" charset="0"/>
+              </a:rPr>
+              <a:t>Bst_new</a:t>
+            </a:r>
+            <a:r>
+              <a:rPr lang="en-US" altLang="zh-CN" sz="2000" b="1" dirty="0">
+                <a:solidFill>
+                  <a:schemeClr val="folHlink"/>
+                </a:solidFill>
+                <a:latin typeface="Courier New" panose="02070309020205020404" pitchFamily="49" charset="0"/>
+              </a:rPr>
+              <a:t>(){</a:t>
             </a:r>
           </a:p>
           <a:p>
@@ -25961,13 +26287,13 @@
               <a:buNone/>
             </a:pPr>
             <a:r>
-              <a:rPr lang="en-US" altLang="zh-CN" sz="2000" b="1">
+              <a:rPr lang="en-US" altLang="zh-CN" sz="2000" b="1" dirty="0">
                 <a:solidFill>
                   <a:schemeClr val="folHlink"/>
                 </a:solidFill>
                 <a:latin typeface="Courier New" panose="02070309020205020404" pitchFamily="49" charset="0"/>
               </a:rPr>
-              <a:t>{</a:t>
+              <a:t>  return 0;</a:t>
             </a:r>
           </a:p>
           <a:p>
@@ -25979,25 +26305,7 @@
               <a:buNone/>
             </a:pPr>
             <a:r>
-              <a:rPr lang="en-US" altLang="zh-CN" sz="2000" b="1">
-                <a:solidFill>
-                  <a:schemeClr val="folHlink"/>
-                </a:solidFill>
-                <a:latin typeface="Courier New" panose="02070309020205020404" pitchFamily="49" charset="0"/>
-              </a:rPr>
-              <a:t>  return 0;</a:t>
-            </a:r>
-          </a:p>
-          <a:p>
-            <a:pPr>
-              <a:lnSpc>
-                <a:spcPct val="90000"/>
-              </a:lnSpc>
-              <a:buFont typeface="Wingdings" pitchFamily="2" charset="2"/>
-              <a:buNone/>
-            </a:pPr>
-            <a:r>
-              <a:rPr lang="en-US" altLang="zh-CN" sz="2000" b="1">
+              <a:rPr lang="en-US" altLang="zh-CN" sz="2000" b="1" dirty="0">
                 <a:solidFill>
                   <a:schemeClr val="folHlink"/>
                 </a:solidFill>
